--- a/flowchart.pptx
+++ b/flowchart.pptx
@@ -2979,7 +2979,7 @@
         </p:nvSpPr>
         <p:spPr>
           <a:xfrm>
-            <a:off x="2450675" y="119846"/>
+            <a:off x="303592" y="163534"/>
             <a:ext cx="2576869" cy="830997"/>
           </a:xfrm>
           <a:prstGeom prst="rect">
@@ -3093,8 +3093,8 @@
         </p:nvSpPr>
         <p:spPr>
           <a:xfrm>
-            <a:off x="3855425" y="2993930"/>
-            <a:ext cx="2825347" cy="1569660"/>
+            <a:off x="3230311" y="3000525"/>
+            <a:ext cx="3546500" cy="1323439"/>
           </a:xfrm>
           <a:prstGeom prst="rect">
             <a:avLst/>
@@ -3343,9 +3343,9 @@
           <p:nvPr/>
         </p:nvCxnSpPr>
         <p:spPr>
-          <a:xfrm flipH="1">
-            <a:off x="1641336" y="950843"/>
-            <a:ext cx="2097774" cy="460537"/>
+          <a:xfrm>
+            <a:off x="1592027" y="994531"/>
+            <a:ext cx="49309" cy="416849"/>
           </a:xfrm>
           <a:prstGeom prst="straightConnector1">
             <a:avLst/>
@@ -3374,15 +3374,15 @@
           <p:cNvPr id="23" name="Straight Arrow Connector 22"/>
           <p:cNvCxnSpPr>
             <a:cxnSpLocks/>
-            <a:stCxn id="8" idx="2"/>
-            <a:endCxn id="26" idx="0"/>
+            <a:stCxn id="8" idx="3"/>
+            <a:endCxn id="26" idx="1"/>
           </p:cNvCxnSpPr>
           <p:nvPr/>
         </p:nvCxnSpPr>
         <p:spPr>
           <a:xfrm>
-            <a:off x="3739110" y="950843"/>
-            <a:ext cx="1625027" cy="339065"/>
+            <a:off x="2880461" y="579033"/>
+            <a:ext cx="358395" cy="905843"/>
           </a:xfrm>
           <a:prstGeom prst="straightConnector1">
             <a:avLst/>
@@ -3419,7 +3419,7 @@
         <p:spPr>
           <a:xfrm>
             <a:off x="1641336" y="1996155"/>
-            <a:ext cx="2214089" cy="1782605"/>
+            <a:ext cx="1588975" cy="1666090"/>
           </a:xfrm>
           <a:prstGeom prst="straightConnector1">
             <a:avLst/>
@@ -3457,8 +3457,8 @@
         </p:nvSpPr>
         <p:spPr>
           <a:xfrm>
-            <a:off x="3951463" y="1289908"/>
-            <a:ext cx="2825347" cy="1569660"/>
+            <a:off x="3238856" y="207603"/>
+            <a:ext cx="3537954" cy="2554545"/>
           </a:xfrm>
           <a:prstGeom prst="rect">
             <a:avLst/>
@@ -3541,6 +3541,17 @@
               </a:rPr>
               <a:t>Frog Stories (XX)</a:t>
             </a:r>
+          </a:p>
+          <a:p>
+            <a:pPr algn="ctr"/>
+            <a:r>
+              <a:rPr lang="en-CA" sz="1600" dirty="0">
+                <a:latin typeface="Times New Roman" charset="0"/>
+                <a:ea typeface="Times New Roman" charset="0"/>
+                <a:cs typeface="Times New Roman" charset="0"/>
+              </a:rPr>
+              <a:t>Other Elicitation (XX)</a:t>
+            </a:r>
             <a:br>
               <a:rPr lang="en-CA" sz="1600" dirty="0">
                 <a:latin typeface="Times New Roman" charset="0"/>
@@ -3556,11 +3567,43 @@
               </a:rPr>
               <a:t>Clinical population (XX)</a:t>
             </a:r>
-            <a:endParaRPr lang="en-US" sz="1600" dirty="0">
-              <a:latin typeface="Times New Roman" charset="0"/>
-              <a:ea typeface="Times New Roman" charset="0"/>
-              <a:cs typeface="Times New Roman" charset="0"/>
-            </a:endParaRPr>
+          </a:p>
+          <a:p>
+            <a:pPr algn="ctr"/>
+            <a:r>
+              <a:rPr lang="en-CA" sz="1600" dirty="0">
+                <a:latin typeface="Times New Roman" charset="0"/>
+                <a:ea typeface="Times New Roman" charset="0"/>
+                <a:cs typeface="Times New Roman" charset="0"/>
+              </a:rPr>
+              <a:t>Only child production reported (XX)</a:t>
+            </a:r>
+            <a:br>
+              <a:rPr lang="en-CA" sz="1600" dirty="0">
+                <a:latin typeface="Times New Roman" charset="0"/>
+                <a:ea typeface="Times New Roman" charset="0"/>
+                <a:cs typeface="Times New Roman" charset="0"/>
+              </a:rPr>
+            </a:br>
+            <a:r>
+              <a:rPr lang="en-CA" sz="1600" dirty="0">
+                <a:latin typeface="Times New Roman" charset="0"/>
+                <a:ea typeface="Times New Roman" charset="0"/>
+                <a:cs typeface="Times New Roman" charset="0"/>
+              </a:rPr>
+              <a:t>Not naturalistic data (22)</a:t>
+            </a:r>
+          </a:p>
+          <a:p>
+            <a:pPr algn="ctr"/>
+            <a:r>
+              <a:rPr lang="en-CA" sz="1600" dirty="0">
+                <a:latin typeface="Times New Roman" charset="0"/>
+                <a:ea typeface="Times New Roman" charset="0"/>
+                <a:cs typeface="Times New Roman" charset="0"/>
+              </a:rPr>
+              <a:t>Diary studies (11)</a:t>
+            </a:r>
           </a:p>
         </p:txBody>
       </p:sp>

--- a/flowchart.pptx
+++ b/flowchart.pptx
@@ -243,7 +243,7 @@
           <a:p>
             <a:fld id="{75631D6F-10A1-474F-A874-C81F1BE1340A}" type="datetimeFigureOut">
               <a:rPr lang="en-US" smtClean="0"/>
-              <a:t>2/14/23</a:t>
+              <a:t>2/19/23</a:t>
             </a:fld>
             <a:endParaRPr lang="en-US"/>
           </a:p>
@@ -413,7 +413,7 @@
           <a:p>
             <a:fld id="{75631D6F-10A1-474F-A874-C81F1BE1340A}" type="datetimeFigureOut">
               <a:rPr lang="en-US" smtClean="0"/>
-              <a:t>2/14/23</a:t>
+              <a:t>2/19/23</a:t>
             </a:fld>
             <a:endParaRPr lang="en-US"/>
           </a:p>
@@ -593,7 +593,7 @@
           <a:p>
             <a:fld id="{75631D6F-10A1-474F-A874-C81F1BE1340A}" type="datetimeFigureOut">
               <a:rPr lang="en-US" smtClean="0"/>
-              <a:t>2/14/23</a:t>
+              <a:t>2/19/23</a:t>
             </a:fld>
             <a:endParaRPr lang="en-US"/>
           </a:p>
@@ -763,7 +763,7 @@
           <a:p>
             <a:fld id="{75631D6F-10A1-474F-A874-C81F1BE1340A}" type="datetimeFigureOut">
               <a:rPr lang="en-US" smtClean="0"/>
-              <a:t>2/14/23</a:t>
+              <a:t>2/19/23</a:t>
             </a:fld>
             <a:endParaRPr lang="en-US"/>
           </a:p>
@@ -1007,7 +1007,7 @@
           <a:p>
             <a:fld id="{75631D6F-10A1-474F-A874-C81F1BE1340A}" type="datetimeFigureOut">
               <a:rPr lang="en-US" smtClean="0"/>
-              <a:t>2/14/23</a:t>
+              <a:t>2/19/23</a:t>
             </a:fld>
             <a:endParaRPr lang="en-US"/>
           </a:p>
@@ -1239,7 +1239,7 @@
           <a:p>
             <a:fld id="{75631D6F-10A1-474F-A874-C81F1BE1340A}" type="datetimeFigureOut">
               <a:rPr lang="en-US" smtClean="0"/>
-              <a:t>2/14/23</a:t>
+              <a:t>2/19/23</a:t>
             </a:fld>
             <a:endParaRPr lang="en-US"/>
           </a:p>
@@ -1606,7 +1606,7 @@
           <a:p>
             <a:fld id="{75631D6F-10A1-474F-A874-C81F1BE1340A}" type="datetimeFigureOut">
               <a:rPr lang="en-US" smtClean="0"/>
-              <a:t>2/14/23</a:t>
+              <a:t>2/19/23</a:t>
             </a:fld>
             <a:endParaRPr lang="en-US"/>
           </a:p>
@@ -1724,7 +1724,7 @@
           <a:p>
             <a:fld id="{75631D6F-10A1-474F-A874-C81F1BE1340A}" type="datetimeFigureOut">
               <a:rPr lang="en-US" smtClean="0"/>
-              <a:t>2/14/23</a:t>
+              <a:t>2/19/23</a:t>
             </a:fld>
             <a:endParaRPr lang="en-US"/>
           </a:p>
@@ -1819,7 +1819,7 @@
           <a:p>
             <a:fld id="{75631D6F-10A1-474F-A874-C81F1BE1340A}" type="datetimeFigureOut">
               <a:rPr lang="en-US" smtClean="0"/>
-              <a:t>2/14/23</a:t>
+              <a:t>2/19/23</a:t>
             </a:fld>
             <a:endParaRPr lang="en-US"/>
           </a:p>
@@ -2096,7 +2096,7 @@
           <a:p>
             <a:fld id="{75631D6F-10A1-474F-A874-C81F1BE1340A}" type="datetimeFigureOut">
               <a:rPr lang="en-US" smtClean="0"/>
-              <a:t>2/14/23</a:t>
+              <a:t>2/19/23</a:t>
             </a:fld>
             <a:endParaRPr lang="en-US"/>
           </a:p>
@@ -2353,7 +2353,7 @@
           <a:p>
             <a:fld id="{75631D6F-10A1-474F-A874-C81F1BE1340A}" type="datetimeFigureOut">
               <a:rPr lang="en-US" smtClean="0"/>
-              <a:t>2/14/23</a:t>
+              <a:t>2/19/23</a:t>
             </a:fld>
             <a:endParaRPr lang="en-US"/>
           </a:p>
@@ -2566,7 +2566,7 @@
           <a:p>
             <a:fld id="{75631D6F-10A1-474F-A874-C81F1BE1340A}" type="datetimeFigureOut">
               <a:rPr lang="en-US" smtClean="0"/>
-              <a:t>2/14/23</a:t>
+              <a:t>2/19/23</a:t>
             </a:fld>
             <a:endParaRPr lang="en-US"/>
           </a:p>
@@ -3038,7 +3038,7 @@
         </p:nvSpPr>
         <p:spPr>
           <a:xfrm>
-            <a:off x="356835" y="1411380"/>
+            <a:off x="307525" y="2074834"/>
             <a:ext cx="2569002" cy="584775"/>
           </a:xfrm>
           <a:prstGeom prst="rect">
@@ -3093,8 +3093,8 @@
         </p:nvSpPr>
         <p:spPr>
           <a:xfrm>
-            <a:off x="3230311" y="3000525"/>
-            <a:ext cx="3546500" cy="1323439"/>
+            <a:off x="3230310" y="2087657"/>
+            <a:ext cx="3546500" cy="1815882"/>
           </a:xfrm>
           <a:prstGeom prst="rect">
             <a:avLst/>
@@ -3119,7 +3119,7 @@
                 <a:ea typeface="Times New Roman" charset="0"/>
                 <a:cs typeface="Times New Roman" charset="0"/>
               </a:rPr>
-              <a:t>Non-annotated corpora</a:t>
+              <a:t>Clinical population (10)</a:t>
             </a:r>
           </a:p>
           <a:p>
@@ -3130,39 +3130,64 @@
                 <a:ea typeface="Times New Roman" charset="0"/>
                 <a:cs typeface="Times New Roman" charset="0"/>
               </a:rPr>
-              <a:t>(n = 271)</a:t>
-            </a:r>
-          </a:p>
-          <a:p>
-            <a:pPr algn="ctr"/>
-            <a:endParaRPr lang="en-CA" sz="1600" dirty="0">
-              <a:latin typeface="Times New Roman" charset="0"/>
-              <a:ea typeface="Times New Roman" charset="0"/>
-              <a:cs typeface="Times New Roman" charset="0"/>
-            </a:endParaRPr>
-          </a:p>
-          <a:p>
-            <a:pPr algn="ctr"/>
-            <a:r>
+              <a:t>Only child production transcribed (19)</a:t>
+            </a:r>
+            <a:br>
               <a:rPr lang="en-CA" sz="1600" dirty="0">
                 <a:latin typeface="Times New Roman" charset="0"/>
                 <a:ea typeface="Times New Roman" charset="0"/>
                 <a:cs typeface="Times New Roman" charset="0"/>
               </a:rPr>
-              <a:t>Impossible to contact curator (50)</a:t>
-            </a:r>
-          </a:p>
-          <a:p>
-            <a:pPr algn="ctr"/>
+            </a:br>
             <a:r>
               <a:rPr lang="en-CA" sz="1600" dirty="0">
                 <a:latin typeface="Times New Roman" charset="0"/>
                 <a:ea typeface="Times New Roman" charset="0"/>
                 <a:cs typeface="Times New Roman" charset="0"/>
               </a:rPr>
-              <a:t>Curator did not reply (221)</a:t>
-            </a:r>
-            <a:endParaRPr lang="en-US" sz="1600" dirty="0">
+              <a:t>In lab/school setting (22)</a:t>
+            </a:r>
+          </a:p>
+          <a:p>
+            <a:pPr algn="ctr"/>
+            <a:r>
+              <a:rPr lang="en-CA" sz="1600" dirty="0">
+                <a:latin typeface="Times New Roman" charset="0"/>
+                <a:ea typeface="Times New Roman" charset="0"/>
+                <a:cs typeface="Times New Roman" charset="0"/>
+              </a:rPr>
+              <a:t>Diary studies (11)</a:t>
+            </a:r>
+          </a:p>
+          <a:p>
+            <a:pPr algn="ctr"/>
+            <a:r>
+              <a:rPr lang="en-CA" sz="1600" dirty="0">
+                <a:latin typeface="Times New Roman" charset="0"/>
+                <a:ea typeface="Times New Roman" charset="0"/>
+                <a:cs typeface="Times New Roman" charset="0"/>
+              </a:rPr>
+              <a:t>Unfamiliar adults (3)</a:t>
+            </a:r>
+            <a:br>
+              <a:rPr lang="en-CA" sz="1600" dirty="0">
+                <a:latin typeface="Times New Roman" charset="0"/>
+                <a:ea typeface="Times New Roman" charset="0"/>
+                <a:cs typeface="Times New Roman" charset="0"/>
+              </a:rPr>
+            </a:br>
+            <a:r>
+              <a:rPr lang="en-CA" sz="1600" dirty="0">
+                <a:latin typeface="Times New Roman" charset="0"/>
+                <a:ea typeface="Times New Roman" charset="0"/>
+                <a:cs typeface="Times New Roman" charset="0"/>
+              </a:rPr>
+              <a:t>Elicitation tasks (67)</a:t>
+            </a:r>
+          </a:p>
+          <a:p>
+            <a:pPr algn="ctr"/>
+            <a:endParaRPr lang="en-CA" sz="1600" dirty="0">
               <a:latin typeface="Times New Roman" charset="0"/>
               <a:ea typeface="Times New Roman" charset="0"/>
               <a:cs typeface="Times New Roman" charset="0"/>
@@ -3343,9 +3368,9 @@
           <p:nvPr/>
         </p:nvCxnSpPr>
         <p:spPr>
-          <a:xfrm>
-            <a:off x="1592027" y="994531"/>
-            <a:ext cx="49309" cy="416849"/>
+          <a:xfrm flipH="1">
+            <a:off x="1592026" y="994531"/>
+            <a:ext cx="1" cy="1080303"/>
           </a:xfrm>
           <a:prstGeom prst="straightConnector1">
             <a:avLst/>
@@ -3382,7 +3407,7 @@
         <p:spPr>
           <a:xfrm>
             <a:off x="2880461" y="579033"/>
-            <a:ext cx="358395" cy="905843"/>
+            <a:ext cx="358395" cy="413400"/>
           </a:xfrm>
           <a:prstGeom prst="straightConnector1">
             <a:avLst/>
@@ -3411,15 +3436,15 @@
           <p:cNvPr id="29" name="Straight Arrow Connector 28"/>
           <p:cNvCxnSpPr>
             <a:cxnSpLocks/>
-            <a:stCxn id="12" idx="2"/>
+            <a:stCxn id="12" idx="3"/>
             <a:endCxn id="13" idx="1"/>
           </p:cNvCxnSpPr>
           <p:nvPr/>
         </p:nvCxnSpPr>
         <p:spPr>
           <a:xfrm>
-            <a:off x="1641336" y="1996155"/>
-            <a:ext cx="1588975" cy="1666090"/>
+            <a:off x="2876527" y="2367222"/>
+            <a:ext cx="353783" cy="628376"/>
           </a:xfrm>
           <a:prstGeom prst="straightConnector1">
             <a:avLst/>
@@ -3458,7 +3483,7 @@
         <p:spPr>
           <a:xfrm>
             <a:off x="3238856" y="207603"/>
-            <a:ext cx="3537954" cy="2554545"/>
+            <a:ext cx="3537954" cy="1569660"/>
           </a:xfrm>
           <a:prstGeom prst="rect">
             <a:avLst/>
@@ -3483,7 +3508,7 @@
                 <a:ea typeface="Times New Roman" charset="0"/>
                 <a:cs typeface="Times New Roman" charset="0"/>
               </a:rPr>
-              <a:t>Excluded corpora</a:t>
+              <a:t>Initial excluded corpora</a:t>
             </a:r>
             <a:br>
               <a:rPr lang="en-CA" sz="1600" dirty="0">
@@ -3551,58 +3576,6 @@
                 <a:cs typeface="Times New Roman" charset="0"/>
               </a:rPr>
               <a:t>Other Elicitation (XX)</a:t>
-            </a:r>
-            <a:br>
-              <a:rPr lang="en-CA" sz="1600" dirty="0">
-                <a:latin typeface="Times New Roman" charset="0"/>
-                <a:ea typeface="Times New Roman" charset="0"/>
-                <a:cs typeface="Times New Roman" charset="0"/>
-              </a:rPr>
-            </a:br>
-            <a:r>
-              <a:rPr lang="en-CA" sz="1600" dirty="0">
-                <a:latin typeface="Times New Roman" charset="0"/>
-                <a:ea typeface="Times New Roman" charset="0"/>
-                <a:cs typeface="Times New Roman" charset="0"/>
-              </a:rPr>
-              <a:t>Clinical population (XX)</a:t>
-            </a:r>
-          </a:p>
-          <a:p>
-            <a:pPr algn="ctr"/>
-            <a:r>
-              <a:rPr lang="en-CA" sz="1600" dirty="0">
-                <a:latin typeface="Times New Roman" charset="0"/>
-                <a:ea typeface="Times New Roman" charset="0"/>
-                <a:cs typeface="Times New Roman" charset="0"/>
-              </a:rPr>
-              <a:t>Only child production reported (XX)</a:t>
-            </a:r>
-            <a:br>
-              <a:rPr lang="en-CA" sz="1600" dirty="0">
-                <a:latin typeface="Times New Roman" charset="0"/>
-                <a:ea typeface="Times New Roman" charset="0"/>
-                <a:cs typeface="Times New Roman" charset="0"/>
-              </a:rPr>
-            </a:br>
-            <a:r>
-              <a:rPr lang="en-CA" sz="1600" dirty="0">
-                <a:latin typeface="Times New Roman" charset="0"/>
-                <a:ea typeface="Times New Roman" charset="0"/>
-                <a:cs typeface="Times New Roman" charset="0"/>
-              </a:rPr>
-              <a:t>Not naturalistic data (22)</a:t>
-            </a:r>
-          </a:p>
-          <a:p>
-            <a:pPr algn="ctr"/>
-            <a:r>
-              <a:rPr lang="en-CA" sz="1600" dirty="0">
-                <a:latin typeface="Times New Roman" charset="0"/>
-                <a:ea typeface="Times New Roman" charset="0"/>
-                <a:cs typeface="Times New Roman" charset="0"/>
-              </a:rPr>
-              <a:t>Diary studies (11)</a:t>
             </a:r>
           </a:p>
         </p:txBody>
@@ -3625,8 +3598,8 @@
         </p:nvCxnSpPr>
         <p:spPr>
           <a:xfrm>
-            <a:off x="1641336" y="1996155"/>
-            <a:ext cx="0" cy="1372015"/>
+            <a:off x="1592026" y="2659609"/>
+            <a:ext cx="49310" cy="708561"/>
           </a:xfrm>
           <a:prstGeom prst="straightConnector1">
             <a:avLst/>
@@ -4438,49 +4411,6 @@
           </a:p>
         </p:txBody>
       </p:sp>
-      <p:cxnSp>
-        <p:nvCxnSpPr>
-          <p:cNvPr id="83" name="Straight Arrow Connector 82">
-            <a:extLst>
-              <a:ext uri="{FF2B5EF4-FFF2-40B4-BE49-F238E27FC236}">
-                <a16:creationId xmlns:a16="http://schemas.microsoft.com/office/drawing/2014/main" id="{9B4F53B1-3885-FE41-8BA0-AB5FE737AC95}"/>
-              </a:ext>
-            </a:extLst>
-          </p:cNvPr>
-          <p:cNvCxnSpPr>
-            <a:cxnSpLocks/>
-            <a:stCxn id="14" idx="2"/>
-            <a:endCxn id="54" idx="0"/>
-          </p:cNvCxnSpPr>
-          <p:nvPr/>
-        </p:nvCxnSpPr>
-        <p:spPr>
-          <a:xfrm>
-            <a:off x="1641336" y="4199167"/>
-            <a:ext cx="3517086" cy="740350"/>
-          </a:xfrm>
-          <a:prstGeom prst="straightConnector1">
-            <a:avLst/>
-          </a:prstGeom>
-          <a:ln>
-            <a:tailEnd type="triangle"/>
-          </a:ln>
-        </p:spPr>
-        <p:style>
-          <a:lnRef idx="1">
-            <a:schemeClr val="accent1"/>
-          </a:lnRef>
-          <a:fillRef idx="0">
-            <a:schemeClr val="accent1"/>
-          </a:fillRef>
-          <a:effectRef idx="0">
-            <a:schemeClr val="accent1"/>
-          </a:effectRef>
-          <a:fontRef idx="minor">
-            <a:schemeClr val="tx1"/>
-          </a:fontRef>
-        </p:style>
-      </p:cxnSp>
       <p:cxnSp>
         <p:nvCxnSpPr>
           <p:cNvPr id="97" name="Elbow Connector 96">

--- a/flowchart.pptx
+++ b/flowchart.pptx
@@ -243,7 +243,7 @@
           <a:p>
             <a:fld id="{75631D6F-10A1-474F-A874-C81F1BE1340A}" type="datetimeFigureOut">
               <a:rPr lang="en-US" smtClean="0"/>
-              <a:t>2/19/23</a:t>
+              <a:t>2/20/23</a:t>
             </a:fld>
             <a:endParaRPr lang="en-US"/>
           </a:p>
@@ -413,7 +413,7 @@
           <a:p>
             <a:fld id="{75631D6F-10A1-474F-A874-C81F1BE1340A}" type="datetimeFigureOut">
               <a:rPr lang="en-US" smtClean="0"/>
-              <a:t>2/19/23</a:t>
+              <a:t>2/20/23</a:t>
             </a:fld>
             <a:endParaRPr lang="en-US"/>
           </a:p>
@@ -593,7 +593,7 @@
           <a:p>
             <a:fld id="{75631D6F-10A1-474F-A874-C81F1BE1340A}" type="datetimeFigureOut">
               <a:rPr lang="en-US" smtClean="0"/>
-              <a:t>2/19/23</a:t>
+              <a:t>2/20/23</a:t>
             </a:fld>
             <a:endParaRPr lang="en-US"/>
           </a:p>
@@ -763,7 +763,7 @@
           <a:p>
             <a:fld id="{75631D6F-10A1-474F-A874-C81F1BE1340A}" type="datetimeFigureOut">
               <a:rPr lang="en-US" smtClean="0"/>
-              <a:t>2/19/23</a:t>
+              <a:t>2/20/23</a:t>
             </a:fld>
             <a:endParaRPr lang="en-US"/>
           </a:p>
@@ -1007,7 +1007,7 @@
           <a:p>
             <a:fld id="{75631D6F-10A1-474F-A874-C81F1BE1340A}" type="datetimeFigureOut">
               <a:rPr lang="en-US" smtClean="0"/>
-              <a:t>2/19/23</a:t>
+              <a:t>2/20/23</a:t>
             </a:fld>
             <a:endParaRPr lang="en-US"/>
           </a:p>
@@ -1239,7 +1239,7 @@
           <a:p>
             <a:fld id="{75631D6F-10A1-474F-A874-C81F1BE1340A}" type="datetimeFigureOut">
               <a:rPr lang="en-US" smtClean="0"/>
-              <a:t>2/19/23</a:t>
+              <a:t>2/20/23</a:t>
             </a:fld>
             <a:endParaRPr lang="en-US"/>
           </a:p>
@@ -1606,7 +1606,7 @@
           <a:p>
             <a:fld id="{75631D6F-10A1-474F-A874-C81F1BE1340A}" type="datetimeFigureOut">
               <a:rPr lang="en-US" smtClean="0"/>
-              <a:t>2/19/23</a:t>
+              <a:t>2/20/23</a:t>
             </a:fld>
             <a:endParaRPr lang="en-US"/>
           </a:p>
@@ -1724,7 +1724,7 @@
           <a:p>
             <a:fld id="{75631D6F-10A1-474F-A874-C81F1BE1340A}" type="datetimeFigureOut">
               <a:rPr lang="en-US" smtClean="0"/>
-              <a:t>2/19/23</a:t>
+              <a:t>2/20/23</a:t>
             </a:fld>
             <a:endParaRPr lang="en-US"/>
           </a:p>
@@ -1819,7 +1819,7 @@
           <a:p>
             <a:fld id="{75631D6F-10A1-474F-A874-C81F1BE1340A}" type="datetimeFigureOut">
               <a:rPr lang="en-US" smtClean="0"/>
-              <a:t>2/19/23</a:t>
+              <a:t>2/20/23</a:t>
             </a:fld>
             <a:endParaRPr lang="en-US"/>
           </a:p>
@@ -2096,7 +2096,7 @@
           <a:p>
             <a:fld id="{75631D6F-10A1-474F-A874-C81F1BE1340A}" type="datetimeFigureOut">
               <a:rPr lang="en-US" smtClean="0"/>
-              <a:t>2/19/23</a:t>
+              <a:t>2/20/23</a:t>
             </a:fld>
             <a:endParaRPr lang="en-US"/>
           </a:p>
@@ -2353,7 +2353,7 @@
           <a:p>
             <a:fld id="{75631D6F-10A1-474F-A874-C81F1BE1340A}" type="datetimeFigureOut">
               <a:rPr lang="en-US" smtClean="0"/>
-              <a:t>2/19/23</a:t>
+              <a:t>2/20/23</a:t>
             </a:fld>
             <a:endParaRPr lang="en-US"/>
           </a:p>
@@ -2566,7 +2566,7 @@
           <a:p>
             <a:fld id="{75631D6F-10A1-474F-A874-C81F1BE1340A}" type="datetimeFigureOut">
               <a:rPr lang="en-US" smtClean="0"/>
-              <a:t>2/19/23</a:t>
+              <a:t>2/20/23</a:t>
             </a:fld>
             <a:endParaRPr lang="en-US"/>
           </a:p>
@@ -3352,7 +3352,7 @@
                 <a:ea typeface="Times New Roman" charset="0"/>
                 <a:cs typeface="Times New Roman" charset="0"/>
               </a:rPr>
-              <a:t>% completed lower secondary school  (114)</a:t>
+              <a:t>% completed lower secondary school  (n=114)</a:t>
             </a:r>
           </a:p>
         </p:txBody>
@@ -4535,23 +4535,7 @@
                 <a:ea typeface="Times New Roman" charset="0"/>
                 <a:cs typeface="Times New Roman" charset="0"/>
               </a:rPr>
-              <a:t>Language </a:t>
-            </a:r>
-            <a:r>
-              <a:rPr lang="en-US" sz="1600" dirty="0" err="1">
-                <a:latin typeface="Times New Roman" charset="0"/>
-                <a:ea typeface="Times New Roman" charset="0"/>
-                <a:cs typeface="Times New Roman" charset="0"/>
-              </a:rPr>
-              <a:t>spokem</a:t>
-            </a:r>
-            <a:r>
-              <a:rPr lang="en-US" sz="1600" dirty="0">
-                <a:latin typeface="Times New Roman" charset="0"/>
-                <a:ea typeface="Times New Roman" charset="0"/>
-                <a:cs typeface="Times New Roman" charset="0"/>
-              </a:rPr>
-              <a:t> (180)</a:t>
+              <a:t>Language spoken (180)</a:t>
             </a:r>
           </a:p>
         </p:txBody>

--- a/flowchart.pptx
+++ b/flowchart.pptx
@@ -243,7 +243,7 @@
           <a:p>
             <a:fld id="{75631D6F-10A1-474F-A874-C81F1BE1340A}" type="datetimeFigureOut">
               <a:rPr lang="en-US" smtClean="0"/>
-              <a:t>2/20/23</a:t>
+              <a:t>3/24/23</a:t>
             </a:fld>
             <a:endParaRPr lang="en-US"/>
           </a:p>
@@ -413,7 +413,7 @@
           <a:p>
             <a:fld id="{75631D6F-10A1-474F-A874-C81F1BE1340A}" type="datetimeFigureOut">
               <a:rPr lang="en-US" smtClean="0"/>
-              <a:t>2/20/23</a:t>
+              <a:t>3/24/23</a:t>
             </a:fld>
             <a:endParaRPr lang="en-US"/>
           </a:p>
@@ -593,7 +593,7 @@
           <a:p>
             <a:fld id="{75631D6F-10A1-474F-A874-C81F1BE1340A}" type="datetimeFigureOut">
               <a:rPr lang="en-US" smtClean="0"/>
-              <a:t>2/20/23</a:t>
+              <a:t>3/24/23</a:t>
             </a:fld>
             <a:endParaRPr lang="en-US"/>
           </a:p>
@@ -763,7 +763,7 @@
           <a:p>
             <a:fld id="{75631D6F-10A1-474F-A874-C81F1BE1340A}" type="datetimeFigureOut">
               <a:rPr lang="en-US" smtClean="0"/>
-              <a:t>2/20/23</a:t>
+              <a:t>3/24/23</a:t>
             </a:fld>
             <a:endParaRPr lang="en-US"/>
           </a:p>
@@ -1007,7 +1007,7 @@
           <a:p>
             <a:fld id="{75631D6F-10A1-474F-A874-C81F1BE1340A}" type="datetimeFigureOut">
               <a:rPr lang="en-US" smtClean="0"/>
-              <a:t>2/20/23</a:t>
+              <a:t>3/24/23</a:t>
             </a:fld>
             <a:endParaRPr lang="en-US"/>
           </a:p>
@@ -1239,7 +1239,7 @@
           <a:p>
             <a:fld id="{75631D6F-10A1-474F-A874-C81F1BE1340A}" type="datetimeFigureOut">
               <a:rPr lang="en-US" smtClean="0"/>
-              <a:t>2/20/23</a:t>
+              <a:t>3/24/23</a:t>
             </a:fld>
             <a:endParaRPr lang="en-US"/>
           </a:p>
@@ -1606,7 +1606,7 @@
           <a:p>
             <a:fld id="{75631D6F-10A1-474F-A874-C81F1BE1340A}" type="datetimeFigureOut">
               <a:rPr lang="en-US" smtClean="0"/>
-              <a:t>2/20/23</a:t>
+              <a:t>3/24/23</a:t>
             </a:fld>
             <a:endParaRPr lang="en-US"/>
           </a:p>
@@ -1724,7 +1724,7 @@
           <a:p>
             <a:fld id="{75631D6F-10A1-474F-A874-C81F1BE1340A}" type="datetimeFigureOut">
               <a:rPr lang="en-US" smtClean="0"/>
-              <a:t>2/20/23</a:t>
+              <a:t>3/24/23</a:t>
             </a:fld>
             <a:endParaRPr lang="en-US"/>
           </a:p>
@@ -1819,7 +1819,7 @@
           <a:p>
             <a:fld id="{75631D6F-10A1-474F-A874-C81F1BE1340A}" type="datetimeFigureOut">
               <a:rPr lang="en-US" smtClean="0"/>
-              <a:t>2/20/23</a:t>
+              <a:t>3/24/23</a:t>
             </a:fld>
             <a:endParaRPr lang="en-US"/>
           </a:p>
@@ -2096,7 +2096,7 @@
           <a:p>
             <a:fld id="{75631D6F-10A1-474F-A874-C81F1BE1340A}" type="datetimeFigureOut">
               <a:rPr lang="en-US" smtClean="0"/>
-              <a:t>2/20/23</a:t>
+              <a:t>3/24/23</a:t>
             </a:fld>
             <a:endParaRPr lang="en-US"/>
           </a:p>
@@ -2353,7 +2353,7 @@
           <a:p>
             <a:fld id="{75631D6F-10A1-474F-A874-C81F1BE1340A}" type="datetimeFigureOut">
               <a:rPr lang="en-US" smtClean="0"/>
-              <a:t>2/20/23</a:t>
+              <a:t>3/24/23</a:t>
             </a:fld>
             <a:endParaRPr lang="en-US"/>
           </a:p>
@@ -2566,7 +2566,7 @@
           <a:p>
             <a:fld id="{75631D6F-10A1-474F-A874-C81F1BE1340A}" type="datetimeFigureOut">
               <a:rPr lang="en-US" smtClean="0"/>
-              <a:t>2/20/23</a:t>
+              <a:t>3/24/23</a:t>
             </a:fld>
             <a:endParaRPr lang="en-US"/>
           </a:p>
@@ -3094,7 +3094,7 @@
         <p:spPr>
           <a:xfrm>
             <a:off x="3230310" y="2087657"/>
-            <a:ext cx="3546500" cy="1815882"/>
+            <a:ext cx="3546500" cy="2062103"/>
           </a:xfrm>
           <a:prstGeom prst="rect">
             <a:avLst/>
@@ -3119,18 +3119,7 @@
                 <a:ea typeface="Times New Roman" charset="0"/>
                 <a:cs typeface="Times New Roman" charset="0"/>
               </a:rPr>
-              <a:t>Clinical population (10)</a:t>
-            </a:r>
-          </a:p>
-          <a:p>
-            <a:pPr algn="ctr"/>
-            <a:r>
-              <a:rPr lang="en-CA" sz="1600" dirty="0">
-                <a:latin typeface="Times New Roman" charset="0"/>
-                <a:ea typeface="Times New Roman" charset="0"/>
-                <a:cs typeface="Times New Roman" charset="0"/>
-              </a:rPr>
-              <a:t>Only child production transcribed (19)</a:t>
+              <a:t>Additional excluded corpora</a:t>
             </a:r>
             <a:br>
               <a:rPr lang="en-CA" sz="1600" dirty="0">
@@ -3145,29 +3134,7 @@
                 <a:ea typeface="Times New Roman" charset="0"/>
                 <a:cs typeface="Times New Roman" charset="0"/>
               </a:rPr>
-              <a:t>In lab/school setting (22)</a:t>
-            </a:r>
-          </a:p>
-          <a:p>
-            <a:pPr algn="ctr"/>
-            <a:r>
-              <a:rPr lang="en-CA" sz="1600" dirty="0">
-                <a:latin typeface="Times New Roman" charset="0"/>
-                <a:ea typeface="Times New Roman" charset="0"/>
-                <a:cs typeface="Times New Roman" charset="0"/>
-              </a:rPr>
-              <a:t>Diary studies (11)</a:t>
-            </a:r>
-          </a:p>
-          <a:p>
-            <a:pPr algn="ctr"/>
-            <a:r>
-              <a:rPr lang="en-CA" sz="1600" dirty="0">
-                <a:latin typeface="Times New Roman" charset="0"/>
-                <a:ea typeface="Times New Roman" charset="0"/>
-                <a:cs typeface="Times New Roman" charset="0"/>
-              </a:rPr>
-              <a:t>Unfamiliar adults (3)</a:t>
+              <a:t>(n=141)</a:t>
             </a:r>
             <a:br>
               <a:rPr lang="en-CA" sz="1600" dirty="0">
@@ -3176,22 +3143,73 @@
                 <a:cs typeface="Times New Roman" charset="0"/>
               </a:rPr>
             </a:br>
-            <a:r>
+            <a:br>
               <a:rPr lang="en-CA" sz="1600" dirty="0">
                 <a:latin typeface="Times New Roman" charset="0"/>
                 <a:ea typeface="Times New Roman" charset="0"/>
                 <a:cs typeface="Times New Roman" charset="0"/>
               </a:rPr>
-              <a:t>Elicitation tasks (67)</a:t>
+            </a:br>
+            <a:r>
+              <a:rPr lang="en-CA" sz="1600" dirty="0">
+                <a:latin typeface="Times New Roman" charset="0"/>
+                <a:ea typeface="Times New Roman" charset="0"/>
+                <a:cs typeface="Times New Roman" charset="0"/>
+              </a:rPr>
+              <a:t>Clinical population (XX)</a:t>
             </a:r>
           </a:p>
           <a:p>
             <a:pPr algn="ctr"/>
-            <a:endParaRPr lang="en-CA" sz="1600" dirty="0">
-              <a:latin typeface="Times New Roman" charset="0"/>
-              <a:ea typeface="Times New Roman" charset="0"/>
-              <a:cs typeface="Times New Roman" charset="0"/>
-            </a:endParaRPr>
+            <a:r>
+              <a:rPr lang="en-CA" sz="1600" dirty="0">
+                <a:latin typeface="Times New Roman" charset="0"/>
+                <a:ea typeface="Times New Roman" charset="0"/>
+                <a:cs typeface="Times New Roman" charset="0"/>
+              </a:rPr>
+              <a:t>Only child production transcribed (XX)</a:t>
+            </a:r>
+            <a:br>
+              <a:rPr lang="en-CA" sz="1600" dirty="0">
+                <a:latin typeface="Times New Roman" charset="0"/>
+                <a:ea typeface="Times New Roman" charset="0"/>
+                <a:cs typeface="Times New Roman" charset="0"/>
+              </a:rPr>
+            </a:br>
+            <a:r>
+              <a:rPr lang="en-CA" sz="1600" dirty="0">
+                <a:latin typeface="Times New Roman" charset="0"/>
+                <a:ea typeface="Times New Roman" charset="0"/>
+                <a:cs typeface="Times New Roman" charset="0"/>
+              </a:rPr>
+              <a:t>In lab/school setting (XX)</a:t>
+            </a:r>
+          </a:p>
+          <a:p>
+            <a:pPr algn="ctr"/>
+            <a:r>
+              <a:rPr lang="en-CA" sz="1600" dirty="0">
+                <a:latin typeface="Times New Roman" charset="0"/>
+                <a:ea typeface="Times New Roman" charset="0"/>
+                <a:cs typeface="Times New Roman" charset="0"/>
+              </a:rPr>
+              <a:t>Diary studies (XX)</a:t>
+            </a:r>
+            <a:br>
+              <a:rPr lang="en-CA" sz="1600" dirty="0">
+                <a:latin typeface="Times New Roman" charset="0"/>
+                <a:ea typeface="Times New Roman" charset="0"/>
+                <a:cs typeface="Times New Roman" charset="0"/>
+              </a:rPr>
+            </a:br>
+            <a:r>
+              <a:rPr lang="en-CA" sz="1600" dirty="0">
+                <a:latin typeface="Times New Roman" charset="0"/>
+                <a:ea typeface="Times New Roman" charset="0"/>
+                <a:cs typeface="Times New Roman" charset="0"/>
+              </a:rPr>
+              <a:t>Elicitation tasks (XX)</a:t>
+            </a:r>
           </a:p>
         </p:txBody>
       </p:sp>
@@ -3263,7 +3281,7 @@
         <p:spPr>
           <a:xfrm>
             <a:off x="425717" y="4939517"/>
-            <a:ext cx="2563592" cy="584775"/>
+            <a:ext cx="2563592" cy="830997"/>
           </a:xfrm>
           <a:prstGeom prst="rect">
             <a:avLst/>
@@ -3303,7 +3321,18 @@
                 <a:ea typeface="Times New Roman" charset="0"/>
                 <a:cs typeface="Times New Roman" charset="0"/>
               </a:rPr>
-              <a:t>(n = 180)</a:t>
+              <a:t>(n = 180 corpora </a:t>
+            </a:r>
+          </a:p>
+          <a:p>
+            <a:pPr algn="ctr"/>
+            <a:r>
+              <a:rPr lang="en-CA" sz="1600" dirty="0">
+                <a:latin typeface="Times New Roman" charset="0"/>
+                <a:ea typeface="Times New Roman" charset="0"/>
+                <a:cs typeface="Times New Roman" charset="0"/>
+              </a:rPr>
+              <a:t>N= 49 different countries)</a:t>
             </a:r>
             <a:endParaRPr lang="en-US" sz="1600" dirty="0">
               <a:latin typeface="Times New Roman" charset="0"/>
@@ -3321,8 +3350,8 @@
         </p:nvSpPr>
         <p:spPr>
           <a:xfrm>
-            <a:off x="428026" y="5648078"/>
-            <a:ext cx="2576869" cy="584775"/>
+            <a:off x="450967" y="6004901"/>
+            <a:ext cx="2576869" cy="830997"/>
           </a:xfrm>
           <a:prstGeom prst="rect">
             <a:avLst/>
@@ -3352,7 +3381,22 @@
                 <a:ea typeface="Times New Roman" charset="0"/>
                 <a:cs typeface="Times New Roman" charset="0"/>
               </a:rPr>
-              <a:t>% completed lower secondary school  (n=114)</a:t>
+              <a:t>% completed lower secondary school  </a:t>
+            </a:r>
+            <a:br>
+              <a:rPr lang="en-US" sz="1600" dirty="0">
+                <a:latin typeface="Times New Roman" charset="0"/>
+                <a:ea typeface="Times New Roman" charset="0"/>
+                <a:cs typeface="Times New Roman" charset="0"/>
+              </a:rPr>
+            </a:br>
+            <a:r>
+              <a:rPr lang="en-US" sz="1600" dirty="0">
+                <a:latin typeface="Times New Roman" charset="0"/>
+                <a:ea typeface="Times New Roman" charset="0"/>
+                <a:cs typeface="Times New Roman" charset="0"/>
+              </a:rPr>
+              <a:t>(n=114 | N=)</a:t>
             </a:r>
           </a:p>
         </p:txBody>
@@ -3407,7 +3451,7 @@
         <p:spPr>
           <a:xfrm>
             <a:off x="2880461" y="579033"/>
-            <a:ext cx="358395" cy="413400"/>
+            <a:ext cx="358395" cy="536511"/>
           </a:xfrm>
           <a:prstGeom prst="straightConnector1">
             <a:avLst/>
@@ -3444,7 +3488,7 @@
         <p:spPr>
           <a:xfrm>
             <a:off x="2876527" y="2367222"/>
-            <a:ext cx="353783" cy="628376"/>
+            <a:ext cx="353783" cy="751487"/>
           </a:xfrm>
           <a:prstGeom prst="straightConnector1">
             <a:avLst/>
@@ -3483,7 +3527,7 @@
         <p:spPr>
           <a:xfrm>
             <a:off x="3238856" y="207603"/>
-            <a:ext cx="3537954" cy="1569660"/>
+            <a:ext cx="3537954" cy="1815882"/>
           </a:xfrm>
           <a:prstGeom prst="rect">
             <a:avLst/>
@@ -3523,7 +3567,7 @@
                 <a:ea typeface="Times New Roman" charset="0"/>
                 <a:cs typeface="Times New Roman" charset="0"/>
               </a:rPr>
-              <a:t>(n = 150)</a:t>
+              <a:t>(n = 105)</a:t>
             </a:r>
             <a:br>
               <a:rPr lang="en-CA" sz="1600" dirty="0">
@@ -3549,7 +3593,7 @@
                 <a:ea typeface="Times New Roman" charset="0"/>
                 <a:cs typeface="Times New Roman" charset="0"/>
               </a:rPr>
-              <a:t>Narratives (XX)</a:t>
+              <a:t>Narrative (XX)</a:t>
             </a:r>
             <a:br>
               <a:rPr lang="en-CA" sz="1600" dirty="0">
@@ -3575,7 +3619,18 @@
                 <a:ea typeface="Times New Roman" charset="0"/>
                 <a:cs typeface="Times New Roman" charset="0"/>
               </a:rPr>
-              <a:t>Other Elicitation (XX)</a:t>
+              <a:t>Clinical (XX)</a:t>
+            </a:r>
+          </a:p>
+          <a:p>
+            <a:pPr algn="ctr"/>
+            <a:r>
+              <a:rPr lang="en-CA" sz="1600" dirty="0">
+                <a:latin typeface="Times New Roman" charset="0"/>
+                <a:ea typeface="Times New Roman" charset="0"/>
+                <a:cs typeface="Times New Roman" charset="0"/>
+              </a:rPr>
+              <a:t>Clinical-MOR (XX)</a:t>
             </a:r>
           </a:p>
         </p:txBody>
@@ -3736,8 +3791,8 @@
         </p:nvSpPr>
         <p:spPr>
           <a:xfrm>
-            <a:off x="446907" y="6356639"/>
-            <a:ext cx="2576869" cy="338554"/>
+            <a:off x="450899" y="6868427"/>
+            <a:ext cx="2576869" cy="584775"/>
           </a:xfrm>
           <a:prstGeom prst="rect">
             <a:avLst/>
@@ -3767,7 +3822,22 @@
                 <a:ea typeface="Times New Roman" charset="0"/>
                 <a:cs typeface="Times New Roman" charset="0"/>
               </a:rPr>
-              <a:t>% urban  (175)</a:t>
+              <a:t>% urban  </a:t>
+            </a:r>
+            <a:br>
+              <a:rPr lang="en-US" sz="1600" dirty="0">
+                <a:latin typeface="Times New Roman" charset="0"/>
+                <a:ea typeface="Times New Roman" charset="0"/>
+                <a:cs typeface="Times New Roman" charset="0"/>
+              </a:rPr>
+            </a:br>
+            <a:r>
+              <a:rPr lang="en-US" sz="1600" dirty="0">
+                <a:latin typeface="Times New Roman" charset="0"/>
+                <a:ea typeface="Times New Roman" charset="0"/>
+                <a:cs typeface="Times New Roman" charset="0"/>
+              </a:rPr>
+              <a:t>(n=175 | N=)</a:t>
             </a:r>
           </a:p>
         </p:txBody>
@@ -3786,8 +3856,8 @@
         </p:nvSpPr>
         <p:spPr>
           <a:xfrm>
-            <a:off x="446907" y="6833995"/>
-            <a:ext cx="2576869" cy="338554"/>
+            <a:off x="462039" y="7479750"/>
+            <a:ext cx="2576869" cy="584775"/>
           </a:xfrm>
           <a:prstGeom prst="rect">
             <a:avLst/>
@@ -3817,7 +3887,22 @@
                 <a:ea typeface="Times New Roman" charset="0"/>
                 <a:cs typeface="Times New Roman" charset="0"/>
               </a:rPr>
-              <a:t>GDP per capita  (175)</a:t>
+              <a:t>GDP per capita  </a:t>
+            </a:r>
+            <a:br>
+              <a:rPr lang="en-US" sz="1600" dirty="0">
+                <a:latin typeface="Times New Roman" charset="0"/>
+                <a:ea typeface="Times New Roman" charset="0"/>
+                <a:cs typeface="Times New Roman" charset="0"/>
+              </a:rPr>
+            </a:br>
+            <a:r>
+              <a:rPr lang="en-US" sz="1600" dirty="0">
+                <a:latin typeface="Times New Roman" charset="0"/>
+                <a:ea typeface="Times New Roman" charset="0"/>
+                <a:cs typeface="Times New Roman" charset="0"/>
+              </a:rPr>
+              <a:t>(n=175 | N= )</a:t>
             </a:r>
           </a:p>
         </p:txBody>
@@ -3836,8 +3921,8 @@
         </p:nvSpPr>
         <p:spPr>
           <a:xfrm>
-            <a:off x="446907" y="7311351"/>
-            <a:ext cx="2576869" cy="338554"/>
+            <a:off x="476549" y="8138347"/>
+            <a:ext cx="2576869" cy="584775"/>
           </a:xfrm>
           <a:prstGeom prst="rect">
             <a:avLst/>
@@ -3867,7 +3952,22 @@
                 <a:ea typeface="Times New Roman" charset="0"/>
                 <a:cs typeface="Times New Roman" charset="0"/>
               </a:rPr>
-              <a:t>Fertility rate (176)</a:t>
+              <a:t>Fertility rate </a:t>
+            </a:r>
+            <a:br>
+              <a:rPr lang="en-US" sz="1600" dirty="0">
+                <a:latin typeface="Times New Roman" charset="0"/>
+                <a:ea typeface="Times New Roman" charset="0"/>
+                <a:cs typeface="Times New Roman" charset="0"/>
+              </a:rPr>
+            </a:br>
+            <a:r>
+              <a:rPr lang="en-US" sz="1600" dirty="0">
+                <a:latin typeface="Times New Roman" charset="0"/>
+                <a:ea typeface="Times New Roman" charset="0"/>
+                <a:cs typeface="Times New Roman" charset="0"/>
+              </a:rPr>
+              <a:t>(n=176 | N= )</a:t>
             </a:r>
           </a:p>
         </p:txBody>
@@ -3890,12 +3990,12 @@
         </p:nvCxnSpPr>
         <p:spPr>
           <a:xfrm rot="10800000" flipH="1" flipV="1">
-            <a:off x="425717" y="5231904"/>
-            <a:ext cx="21190" cy="2248723"/>
+            <a:off x="425717" y="5355015"/>
+            <a:ext cx="50832" cy="3075719"/>
           </a:xfrm>
           <a:prstGeom prst="bentConnector3">
             <a:avLst>
-              <a:gd name="adj1" fmla="val -1078811"/>
+              <a:gd name="adj1" fmla="val -449717"/>
             </a:avLst>
           </a:prstGeom>
         </p:spPr>
@@ -3932,12 +4032,12 @@
         </p:nvCxnSpPr>
         <p:spPr>
           <a:xfrm rot="10800000" flipH="1" flipV="1">
-            <a:off x="425716" y="5231904"/>
-            <a:ext cx="2309" cy="708561"/>
+            <a:off x="425717" y="5355016"/>
+            <a:ext cx="25250" cy="1065384"/>
           </a:xfrm>
           <a:prstGeom prst="bentConnector3">
             <a:avLst>
-              <a:gd name="adj1" fmla="val -9900390"/>
+              <a:gd name="adj1" fmla="val -905347"/>
             </a:avLst>
           </a:prstGeom>
         </p:spPr>
@@ -3974,12 +4074,12 @@
         </p:nvCxnSpPr>
         <p:spPr>
           <a:xfrm rot="10800000" flipH="1" flipV="1">
-            <a:off x="425717" y="5231904"/>
-            <a:ext cx="21190" cy="1294011"/>
+            <a:off x="425717" y="5355015"/>
+            <a:ext cx="25182" cy="1805799"/>
           </a:xfrm>
           <a:prstGeom prst="bentConnector3">
             <a:avLst>
-              <a:gd name="adj1" fmla="val -1078811"/>
+              <a:gd name="adj1" fmla="val -907791"/>
             </a:avLst>
           </a:prstGeom>
         </p:spPr>
@@ -4016,12 +4116,12 @@
         </p:nvCxnSpPr>
         <p:spPr>
           <a:xfrm rot="10800000" flipH="1" flipV="1">
-            <a:off x="425717" y="5231904"/>
-            <a:ext cx="21190" cy="1771367"/>
+            <a:off x="425717" y="5355016"/>
+            <a:ext cx="36322" cy="2417122"/>
           </a:xfrm>
           <a:prstGeom prst="bentConnector3">
             <a:avLst>
-              <a:gd name="adj1" fmla="val -1078811"/>
+              <a:gd name="adj1" fmla="val -629371"/>
             </a:avLst>
           </a:prstGeom>
         </p:spPr>
@@ -4336,7 +4436,12 @@
           <a:prstGeom prst="rect">
             <a:avLst/>
           </a:prstGeom>
-          <a:noFill/>
+          <a:solidFill>
+            <a:schemeClr val="accent1">
+              <a:lumMod val="20000"/>
+              <a:lumOff val="80000"/>
+            </a:schemeClr>
+          </a:solidFill>
           <a:ln>
             <a:solidFill>
               <a:schemeClr val="tx2"/>
@@ -4515,7 +4620,9 @@
           <a:prstGeom prst="rect">
             <a:avLst/>
           </a:prstGeom>
-          <a:noFill/>
+          <a:solidFill>
+            <a:srgbClr val="FFEAFF"/>
+          </a:solidFill>
           <a:ln>
             <a:solidFill>
               <a:schemeClr val="tx2"/>
@@ -4560,7 +4667,9 @@
           <a:prstGeom prst="rect">
             <a:avLst/>
           </a:prstGeom>
-          <a:noFill/>
+          <a:solidFill>
+            <a:srgbClr val="FFEAFF"/>
+          </a:solidFill>
           <a:ln>
             <a:solidFill>
               <a:schemeClr val="tx2"/>
@@ -4843,6 +4952,155 @@
           <a:prstGeom prst="bentConnector3">
             <a:avLst>
               <a:gd name="adj1" fmla="val 1178353"/>
+            </a:avLst>
+          </a:prstGeom>
+        </p:spPr>
+        <p:style>
+          <a:lnRef idx="1">
+            <a:schemeClr val="accent1"/>
+          </a:lnRef>
+          <a:fillRef idx="0">
+            <a:schemeClr val="accent1"/>
+          </a:fillRef>
+          <a:effectRef idx="0">
+            <a:schemeClr val="accent1"/>
+          </a:effectRef>
+          <a:fontRef idx="minor">
+            <a:schemeClr val="tx1"/>
+          </a:fontRef>
+        </p:style>
+      </p:cxnSp>
+      <p:cxnSp>
+        <p:nvCxnSpPr>
+          <p:cNvPr id="40" name="Straight Arrow Connector 39">
+            <a:extLst>
+              <a:ext uri="{FF2B5EF4-FFF2-40B4-BE49-F238E27FC236}">
+                <a16:creationId xmlns:a16="http://schemas.microsoft.com/office/drawing/2014/main" id="{88F73B9E-3A4F-C142-B065-223BA985E392}"/>
+              </a:ext>
+            </a:extLst>
+          </p:cNvPr>
+          <p:cNvCxnSpPr>
+            <a:cxnSpLocks/>
+            <a:stCxn id="14" idx="2"/>
+            <a:endCxn id="54" idx="0"/>
+          </p:cNvCxnSpPr>
+          <p:nvPr/>
+        </p:nvCxnSpPr>
+        <p:spPr>
+          <a:xfrm>
+            <a:off x="1641336" y="4199167"/>
+            <a:ext cx="3517086" cy="740350"/>
+          </a:xfrm>
+          <a:prstGeom prst="straightConnector1">
+            <a:avLst/>
+          </a:prstGeom>
+          <a:ln>
+            <a:tailEnd type="triangle"/>
+          </a:ln>
+        </p:spPr>
+        <p:style>
+          <a:lnRef idx="1">
+            <a:schemeClr val="accent1"/>
+          </a:lnRef>
+          <a:fillRef idx="0">
+            <a:schemeClr val="accent1"/>
+          </a:fillRef>
+          <a:effectRef idx="0">
+            <a:schemeClr val="accent1"/>
+          </a:effectRef>
+          <a:fontRef idx="minor">
+            <a:schemeClr val="tx1"/>
+          </a:fontRef>
+        </p:style>
+      </p:cxnSp>
+      <p:sp>
+        <p:nvSpPr>
+          <p:cNvPr id="44" name="TextBox 43">
+            <a:extLst>
+              <a:ext uri="{FF2B5EF4-FFF2-40B4-BE49-F238E27FC236}">
+                <a16:creationId xmlns:a16="http://schemas.microsoft.com/office/drawing/2014/main" id="{4F87EC74-D9AA-724B-A6CE-6D481D4E1B13}"/>
+              </a:ext>
+            </a:extLst>
+          </p:cNvPr>
+          <p:cNvSpPr txBox="1"/>
+          <p:nvPr/>
+        </p:nvSpPr>
+        <p:spPr>
+          <a:xfrm>
+            <a:off x="476549" y="8846232"/>
+            <a:ext cx="2576869" cy="584775"/>
+          </a:xfrm>
+          <a:prstGeom prst="rect">
+            <a:avLst/>
+          </a:prstGeom>
+          <a:solidFill>
+            <a:srgbClr val="FF40FF">
+              <a:alpha val="12157"/>
+            </a:srgbClr>
+          </a:solidFill>
+          <a:ln>
+            <a:solidFill>
+              <a:schemeClr val="tx2"/>
+            </a:solidFill>
+          </a:ln>
+        </p:spPr>
+        <p:txBody>
+          <a:bodyPr wrap="square" rtlCol="0">
+            <a:spAutoFit/>
+          </a:bodyPr>
+          <a:lstStyle/>
+          <a:p>
+            <a:pPr algn="ctr"/>
+            <a:r>
+              <a:rPr lang="en-US" sz="1600" dirty="0">
+                <a:latin typeface="Times New Roman" charset="0"/>
+                <a:ea typeface="Times New Roman" charset="0"/>
+                <a:cs typeface="Times New Roman" charset="0"/>
+              </a:rPr>
+              <a:t>Language?</a:t>
+            </a:r>
+            <a:br>
+              <a:rPr lang="en-US" sz="1600" dirty="0">
+                <a:latin typeface="Times New Roman" charset="0"/>
+                <a:ea typeface="Times New Roman" charset="0"/>
+                <a:cs typeface="Times New Roman" charset="0"/>
+              </a:rPr>
+            </a:br>
+            <a:r>
+              <a:rPr lang="en-US" sz="1600" dirty="0">
+                <a:latin typeface="Times New Roman" charset="0"/>
+                <a:ea typeface="Times New Roman" charset="0"/>
+                <a:cs typeface="Times New Roman" charset="0"/>
+              </a:rPr>
+              <a:t>(n=180 | N=49 )</a:t>
+            </a:r>
+          </a:p>
+        </p:txBody>
+      </p:sp>
+      <p:cxnSp>
+        <p:nvCxnSpPr>
+          <p:cNvPr id="45" name="Elbow Connector 44">
+            <a:extLst>
+              <a:ext uri="{FF2B5EF4-FFF2-40B4-BE49-F238E27FC236}">
+                <a16:creationId xmlns:a16="http://schemas.microsoft.com/office/drawing/2014/main" id="{0ADBB5B1-10E6-A442-BE2E-8B14CF031CA8}"/>
+              </a:ext>
+            </a:extLst>
+          </p:cNvPr>
+          <p:cNvCxnSpPr>
+            <a:cxnSpLocks/>
+            <a:stCxn id="15" idx="1"/>
+            <a:endCxn id="44" idx="1"/>
+          </p:cNvCxnSpPr>
+          <p:nvPr/>
+        </p:nvCxnSpPr>
+        <p:spPr>
+          <a:xfrm rot="10800000" flipH="1" flipV="1">
+            <a:off x="425717" y="5355016"/>
+            <a:ext cx="50832" cy="3783604"/>
+          </a:xfrm>
+          <a:prstGeom prst="bentConnector3">
+            <a:avLst>
+              <a:gd name="adj1" fmla="val -449717"/>
             </a:avLst>
           </a:prstGeom>
         </p:spPr>
